--- a/2º Período/IHC/Novos Ícones -.pptx
+++ b/2º Período/IHC/Novos Ícones -.pptx
@@ -7,6 +7,8 @@
   <p:sldIdLst>
     <p:sldId id="256" r:id="rId2"/>
     <p:sldId id="257" r:id="rId3"/>
+    <p:sldId id="258" r:id="rId4"/>
+    <p:sldId id="259" r:id="rId5"/>
   </p:sldIdLst>
   <p:sldSz cx="12192000" cy="6858000"/>
   <p:notesSz cx="6858000" cy="9144000"/>
@@ -105,7 +107,366 @@
       </a:defRPr>
     </a:lvl9pPr>
   </p:defaultTextStyle>
+  <p:extLst>
+    <p:ext uri="{EFAFB233-063F-42B5-8137-9DF3F51BA10A}">
+      <p15:sldGuideLst xmlns:p15="http://schemas.microsoft.com/office/powerpoint/2012/main"/>
+    </p:ext>
+  </p:extLst>
 </p:presentation>
+</file>
+
+<file path=ppt/revisionInfo.xml><?xml version="1.0" encoding="utf-8"?>
+<p1510:revInfo xmlns:a="http://schemas.openxmlformats.org/drawingml/2006/main" xmlns:r="http://schemas.openxmlformats.org/officeDocument/2006/relationships" xmlns:p1510="http://schemas.microsoft.com/office/powerpoint/2015/10/main">
+  <p1510:revLst>
+    <p1510:client id="{E409260D-6CDA-40B7-A12D-ECAB705D86D9}" v="16" dt="2023-08-20T23:24:08.514"/>
+  </p1510:revLst>
+</p1510:revInfo>
+</file>
+
+<file path=ppt/changesInfos/changesInfo1.xml><?xml version="1.0" encoding="utf-8"?>
+<pc:chgInfo xmlns:a="http://schemas.openxmlformats.org/drawingml/2006/main" xmlns:r="http://schemas.openxmlformats.org/officeDocument/2006/relationships" xmlns:ac="http://schemas.microsoft.com/office/drawing/2013/main/command" xmlns:pc="http://schemas.microsoft.com/office/powerpoint/2013/main/command">
+  <pc:docChgLst>
+    <pc:chgData name="Ary Farah" userId="b4a11b600c829974" providerId="LiveId" clId="{E409260D-6CDA-40B7-A12D-ECAB705D86D9}"/>
+    <pc:docChg chg="undo redo custSel addSld modSld">
+      <pc:chgData name="Ary Farah" userId="b4a11b600c829974" providerId="LiveId" clId="{E409260D-6CDA-40B7-A12D-ECAB705D86D9}" dt="2023-08-20T23:36:46.517" v="1331" actId="1038"/>
+      <pc:docMkLst>
+        <pc:docMk/>
+      </pc:docMkLst>
+      <pc:sldChg chg="modSp mod">
+        <pc:chgData name="Ary Farah" userId="b4a11b600c829974" providerId="LiveId" clId="{E409260D-6CDA-40B7-A12D-ECAB705D86D9}" dt="2023-08-20T23:36:16.879" v="1328" actId="1036"/>
+        <pc:sldMkLst>
+          <pc:docMk/>
+          <pc:sldMk cId="2303346615" sldId="256"/>
+        </pc:sldMkLst>
+        <pc:picChg chg="mod">
+          <ac:chgData name="Ary Farah" userId="b4a11b600c829974" providerId="LiveId" clId="{E409260D-6CDA-40B7-A12D-ECAB705D86D9}" dt="2023-08-20T23:36:16.879" v="1328" actId="1036"/>
+          <ac:picMkLst>
+            <pc:docMk/>
+            <pc:sldMk cId="2303346615" sldId="256"/>
+            <ac:picMk id="4" creationId="{2DA4C9B4-DD6C-B78D-7F2F-1AB66FBEDC77}"/>
+          </ac:picMkLst>
+        </pc:picChg>
+      </pc:sldChg>
+      <pc:sldChg chg="addSp delSp modSp mod">
+        <pc:chgData name="Ary Farah" userId="b4a11b600c829974" providerId="LiveId" clId="{E409260D-6CDA-40B7-A12D-ECAB705D86D9}" dt="2023-08-20T23:36:46.517" v="1331" actId="1038"/>
+        <pc:sldMkLst>
+          <pc:docMk/>
+          <pc:sldMk cId="1576461816" sldId="257"/>
+        </pc:sldMkLst>
+        <pc:spChg chg="mod">
+          <ac:chgData name="Ary Farah" userId="b4a11b600c829974" providerId="LiveId" clId="{E409260D-6CDA-40B7-A12D-ECAB705D86D9}" dt="2023-08-20T17:15:23.229" v="74" actId="6549"/>
+          <ac:spMkLst>
+            <pc:docMk/>
+            <pc:sldMk cId="1576461816" sldId="257"/>
+            <ac:spMk id="4" creationId="{1F3C05DF-456B-8C7A-2ED3-F3D257885CCE}"/>
+          </ac:spMkLst>
+        </pc:spChg>
+        <pc:spChg chg="mod">
+          <ac:chgData name="Ary Farah" userId="b4a11b600c829974" providerId="LiveId" clId="{E409260D-6CDA-40B7-A12D-ECAB705D86D9}" dt="2023-08-20T22:27:38.753" v="192" actId="20577"/>
+          <ac:spMkLst>
+            <pc:docMk/>
+            <pc:sldMk cId="1576461816" sldId="257"/>
+            <ac:spMk id="10" creationId="{B04CAAF3-0526-7391-B35E-906EFA2CA296}"/>
+          </ac:spMkLst>
+        </pc:spChg>
+        <pc:picChg chg="add del mod">
+          <ac:chgData name="Ary Farah" userId="b4a11b600c829974" providerId="LiveId" clId="{E409260D-6CDA-40B7-A12D-ECAB705D86D9}" dt="2023-08-20T16:32:44.260" v="3" actId="478"/>
+          <ac:picMkLst>
+            <pc:docMk/>
+            <pc:sldMk cId="1576461816" sldId="257"/>
+            <ac:picMk id="3" creationId="{DE96868F-AD26-489D-BF1D-9D7F91C99B11}"/>
+          </ac:picMkLst>
+        </pc:picChg>
+        <pc:picChg chg="mod">
+          <ac:chgData name="Ary Farah" userId="b4a11b600c829974" providerId="LiveId" clId="{E409260D-6CDA-40B7-A12D-ECAB705D86D9}" dt="2023-08-20T22:27:44.873" v="193" actId="1076"/>
+          <ac:picMkLst>
+            <pc:docMk/>
+            <pc:sldMk cId="1576461816" sldId="257"/>
+            <ac:picMk id="6" creationId="{74B47731-AEE8-0B3D-5BA7-F87FC837F3CC}"/>
+          </ac:picMkLst>
+        </pc:picChg>
+        <pc:picChg chg="add mod">
+          <ac:chgData name="Ary Farah" userId="b4a11b600c829974" providerId="LiveId" clId="{E409260D-6CDA-40B7-A12D-ECAB705D86D9}" dt="2023-08-20T23:36:46.517" v="1331" actId="1038"/>
+          <ac:picMkLst>
+            <pc:docMk/>
+            <pc:sldMk cId="1576461816" sldId="257"/>
+            <ac:picMk id="7" creationId="{CE2F9AFA-94BB-6938-6AD3-26D824CF627D}"/>
+          </ac:picMkLst>
+        </pc:picChg>
+        <pc:picChg chg="del">
+          <ac:chgData name="Ary Farah" userId="b4a11b600c829974" providerId="LiveId" clId="{E409260D-6CDA-40B7-A12D-ECAB705D86D9}" dt="2023-08-20T16:32:46.396" v="4" actId="478"/>
+          <ac:picMkLst>
+            <pc:docMk/>
+            <pc:sldMk cId="1576461816" sldId="257"/>
+            <ac:picMk id="8" creationId="{A13B45AD-D5BE-5F3F-E463-BD250B1BEB1F}"/>
+          </ac:picMkLst>
+        </pc:picChg>
+      </pc:sldChg>
+      <pc:sldChg chg="addSp delSp modSp new mod modClrScheme chgLayout">
+        <pc:chgData name="Ary Farah" userId="b4a11b600c829974" providerId="LiveId" clId="{E409260D-6CDA-40B7-A12D-ECAB705D86D9}" dt="2023-08-20T23:34:51.282" v="1326" actId="1037"/>
+        <pc:sldMkLst>
+          <pc:docMk/>
+          <pc:sldMk cId="454436980" sldId="258"/>
+        </pc:sldMkLst>
+        <pc:spChg chg="mod">
+          <ac:chgData name="Ary Farah" userId="b4a11b600c829974" providerId="LiveId" clId="{E409260D-6CDA-40B7-A12D-ECAB705D86D9}" dt="2023-08-20T23:27:39.460" v="1253" actId="6549"/>
+          <ac:spMkLst>
+            <pc:docMk/>
+            <pc:sldMk cId="454436980" sldId="258"/>
+            <ac:spMk id="2" creationId="{E6A83EC4-739F-0876-6276-B7CAF4F5593C}"/>
+          </ac:spMkLst>
+        </pc:spChg>
+        <pc:spChg chg="del">
+          <ac:chgData name="Ary Farah" userId="b4a11b600c829974" providerId="LiveId" clId="{E409260D-6CDA-40B7-A12D-ECAB705D86D9}" dt="2023-08-20T22:28:13.781" v="205" actId="478"/>
+          <ac:spMkLst>
+            <pc:docMk/>
+            <pc:sldMk cId="454436980" sldId="258"/>
+            <ac:spMk id="3" creationId="{362673D8-B9FD-2FA9-E84E-729B06F75692}"/>
+          </ac:spMkLst>
+        </pc:spChg>
+        <pc:spChg chg="add del mod">
+          <ac:chgData name="Ary Farah" userId="b4a11b600c829974" providerId="LiveId" clId="{E409260D-6CDA-40B7-A12D-ECAB705D86D9}" dt="2023-08-20T23:04:19.528" v="606" actId="478"/>
+          <ac:spMkLst>
+            <pc:docMk/>
+            <pc:sldMk cId="454436980" sldId="258"/>
+            <ac:spMk id="4" creationId="{BCDD36E8-DC30-6E98-B67C-F921CA53CABB}"/>
+          </ac:spMkLst>
+        </pc:spChg>
+        <pc:spChg chg="add mod">
+          <ac:chgData name="Ary Farah" userId="b4a11b600c829974" providerId="LiveId" clId="{E409260D-6CDA-40B7-A12D-ECAB705D86D9}" dt="2023-08-20T23:11:07.848" v="733" actId="1076"/>
+          <ac:spMkLst>
+            <pc:docMk/>
+            <pc:sldMk cId="454436980" sldId="258"/>
+            <ac:spMk id="7" creationId="{96E3C3B2-AC69-35A7-61B9-938B2D002CD6}"/>
+          </ac:spMkLst>
+        </pc:spChg>
+        <pc:spChg chg="add del mod">
+          <ac:chgData name="Ary Farah" userId="b4a11b600c829974" providerId="LiveId" clId="{E409260D-6CDA-40B7-A12D-ECAB705D86D9}" dt="2023-08-20T23:11:47.871" v="757" actId="478"/>
+          <ac:spMkLst>
+            <pc:docMk/>
+            <pc:sldMk cId="454436980" sldId="258"/>
+            <ac:spMk id="9" creationId="{2DA9A8E0-1234-A24B-AA3D-26F9514F8309}"/>
+          </ac:spMkLst>
+        </pc:spChg>
+        <pc:spChg chg="add del mod">
+          <ac:chgData name="Ary Farah" userId="b4a11b600c829974" providerId="LiveId" clId="{E409260D-6CDA-40B7-A12D-ECAB705D86D9}" dt="2023-08-20T23:13:30.041" v="861" actId="478"/>
+          <ac:spMkLst>
+            <pc:docMk/>
+            <pc:sldMk cId="454436980" sldId="258"/>
+            <ac:spMk id="10" creationId="{290F6A47-204B-C07A-ECBC-69D86E1502D6}"/>
+          </ac:spMkLst>
+        </pc:spChg>
+        <pc:spChg chg="add mod">
+          <ac:chgData name="Ary Farah" userId="b4a11b600c829974" providerId="LiveId" clId="{E409260D-6CDA-40B7-A12D-ECAB705D86D9}" dt="2023-08-20T23:27:17.510" v="1251" actId="1076"/>
+          <ac:spMkLst>
+            <pc:docMk/>
+            <pc:sldMk cId="454436980" sldId="258"/>
+            <ac:spMk id="11" creationId="{8C9CBC84-F0D5-F7BE-6145-63C8057F4DF8}"/>
+          </ac:spMkLst>
+        </pc:spChg>
+        <pc:spChg chg="add mod">
+          <ac:chgData name="Ary Farah" userId="b4a11b600c829974" providerId="LiveId" clId="{E409260D-6CDA-40B7-A12D-ECAB705D86D9}" dt="2023-08-20T23:20:20.251" v="883" actId="1037"/>
+          <ac:spMkLst>
+            <pc:docMk/>
+            <pc:sldMk cId="454436980" sldId="258"/>
+            <ac:spMk id="12" creationId="{83048362-0B88-AD18-F853-BBFB121C6B97}"/>
+          </ac:spMkLst>
+        </pc:spChg>
+        <pc:spChg chg="add mod">
+          <ac:chgData name="Ary Farah" userId="b4a11b600c829974" providerId="LiveId" clId="{E409260D-6CDA-40B7-A12D-ECAB705D86D9}" dt="2023-08-20T23:06:47.220" v="611" actId="26606"/>
+          <ac:spMkLst>
+            <pc:docMk/>
+            <pc:sldMk cId="454436980" sldId="258"/>
+            <ac:spMk id="13" creationId="{82DEB276-8311-D167-F4A6-6AEF782978C1}"/>
+          </ac:spMkLst>
+        </pc:spChg>
+        <pc:spChg chg="add del mod">
+          <ac:chgData name="Ary Farah" userId="b4a11b600c829974" providerId="LiveId" clId="{E409260D-6CDA-40B7-A12D-ECAB705D86D9}" dt="2023-08-20T23:13:32.439" v="862" actId="478"/>
+          <ac:spMkLst>
+            <pc:docMk/>
+            <pc:sldMk cId="454436980" sldId="258"/>
+            <ac:spMk id="14" creationId="{C086F0D7-638D-87B1-49FE-69C05F54E6DA}"/>
+          </ac:spMkLst>
+        </pc:spChg>
+        <pc:spChg chg="add mod">
+          <ac:chgData name="Ary Farah" userId="b4a11b600c829974" providerId="LiveId" clId="{E409260D-6CDA-40B7-A12D-ECAB705D86D9}" dt="2023-08-20T23:06:47.220" v="611" actId="26606"/>
+          <ac:spMkLst>
+            <pc:docMk/>
+            <pc:sldMk cId="454436980" sldId="258"/>
+            <ac:spMk id="15" creationId="{A951C292-0895-FBAE-FACD-6218C51CE6CD}"/>
+          </ac:spMkLst>
+        </pc:spChg>
+        <pc:spChg chg="add mod">
+          <ac:chgData name="Ary Farah" userId="b4a11b600c829974" providerId="LiveId" clId="{E409260D-6CDA-40B7-A12D-ECAB705D86D9}" dt="2023-08-20T23:20:20.251" v="883" actId="1037"/>
+          <ac:spMkLst>
+            <pc:docMk/>
+            <pc:sldMk cId="454436980" sldId="258"/>
+            <ac:spMk id="16" creationId="{BA3DA38B-1867-4ACD-9EFD-1F96FE74C368}"/>
+          </ac:spMkLst>
+        </pc:spChg>
+        <pc:spChg chg="add mod">
+          <ac:chgData name="Ary Farah" userId="b4a11b600c829974" providerId="LiveId" clId="{E409260D-6CDA-40B7-A12D-ECAB705D86D9}" dt="2023-08-20T23:06:47.220" v="611" actId="26606"/>
+          <ac:spMkLst>
+            <pc:docMk/>
+            <pc:sldMk cId="454436980" sldId="258"/>
+            <ac:spMk id="17" creationId="{431ADC51-CCC5-C549-E32C-8D4B995D6344}"/>
+          </ac:spMkLst>
+        </pc:spChg>
+        <pc:spChg chg="add mod">
+          <ac:chgData name="Ary Farah" userId="b4a11b600c829974" providerId="LiveId" clId="{E409260D-6CDA-40B7-A12D-ECAB705D86D9}" dt="2023-08-20T23:20:20.251" v="883" actId="1037"/>
+          <ac:spMkLst>
+            <pc:docMk/>
+            <pc:sldMk cId="454436980" sldId="258"/>
+            <ac:spMk id="18" creationId="{914AE18F-9C0E-ACF1-65BA-C1BA8018081D}"/>
+          </ac:spMkLst>
+        </pc:spChg>
+        <pc:spChg chg="add mod">
+          <ac:chgData name="Ary Farah" userId="b4a11b600c829974" providerId="LiveId" clId="{E409260D-6CDA-40B7-A12D-ECAB705D86D9}" dt="2023-08-20T23:34:28.696" v="1311" actId="1036"/>
+          <ac:spMkLst>
+            <pc:docMk/>
+            <pc:sldMk cId="454436980" sldId="258"/>
+            <ac:spMk id="19" creationId="{76AE5D7F-48B9-44D8-9F28-5C7C3D73F3C0}"/>
+          </ac:spMkLst>
+        </pc:spChg>
+        <pc:spChg chg="add mod">
+          <ac:chgData name="Ary Farah" userId="b4a11b600c829974" providerId="LiveId" clId="{E409260D-6CDA-40B7-A12D-ECAB705D86D9}" dt="2023-08-20T23:24:04.953" v="948" actId="113"/>
+          <ac:spMkLst>
+            <pc:docMk/>
+            <pc:sldMk cId="454436980" sldId="258"/>
+            <ac:spMk id="22" creationId="{645FAE6A-7596-7263-C243-D1E752542DED}"/>
+          </ac:spMkLst>
+        </pc:spChg>
+        <pc:spChg chg="add mod">
+          <ac:chgData name="Ary Farah" userId="b4a11b600c829974" providerId="LiveId" clId="{E409260D-6CDA-40B7-A12D-ECAB705D86D9}" dt="2023-08-20T23:24:29.505" v="955" actId="1076"/>
+          <ac:spMkLst>
+            <pc:docMk/>
+            <pc:sldMk cId="454436980" sldId="258"/>
+            <ac:spMk id="23" creationId="{3A4CB147-CE93-7BB4-B537-694A5DFD0FE4}"/>
+          </ac:spMkLst>
+        </pc:spChg>
+        <pc:picChg chg="add mod">
+          <ac:chgData name="Ary Farah" userId="b4a11b600c829974" providerId="LiveId" clId="{E409260D-6CDA-40B7-A12D-ECAB705D86D9}" dt="2023-08-20T23:20:06.389" v="872" actId="1076"/>
+          <ac:picMkLst>
+            <pc:docMk/>
+            <pc:sldMk cId="454436980" sldId="258"/>
+            <ac:picMk id="6" creationId="{6B7DD45E-A30E-F601-01A2-4E2B2BEA0C12}"/>
+          </ac:picMkLst>
+        </pc:picChg>
+        <pc:picChg chg="add mod">
+          <ac:chgData name="Ary Farah" userId="b4a11b600c829974" providerId="LiveId" clId="{E409260D-6CDA-40B7-A12D-ECAB705D86D9}" dt="2023-08-20T23:33:49.143" v="1291" actId="1076"/>
+          <ac:picMkLst>
+            <pc:docMk/>
+            <pc:sldMk cId="454436980" sldId="258"/>
+            <ac:picMk id="8" creationId="{23F9AEDA-BB39-FF61-241B-3EF0A4797472}"/>
+          </ac:picMkLst>
+        </pc:picChg>
+        <pc:picChg chg="add mod">
+          <ac:chgData name="Ary Farah" userId="b4a11b600c829974" providerId="LiveId" clId="{E409260D-6CDA-40B7-A12D-ECAB705D86D9}" dt="2023-08-20T23:34:51.282" v="1326" actId="1037"/>
+          <ac:picMkLst>
+            <pc:docMk/>
+            <pc:sldMk cId="454436980" sldId="258"/>
+            <ac:picMk id="21" creationId="{A8FB0335-44ED-E9D6-9A59-D81D45A12DAA}"/>
+          </ac:picMkLst>
+        </pc:picChg>
+      </pc:sldChg>
+      <pc:sldChg chg="addSp delSp modSp new mod modClrScheme chgLayout">
+        <pc:chgData name="Ary Farah" userId="b4a11b600c829974" providerId="LiveId" clId="{E409260D-6CDA-40B7-A12D-ECAB705D86D9}" dt="2023-08-20T22:52:58.913" v="603" actId="1038"/>
+        <pc:sldMkLst>
+          <pc:docMk/>
+          <pc:sldMk cId="3127953079" sldId="259"/>
+        </pc:sldMkLst>
+        <pc:spChg chg="mod">
+          <ac:chgData name="Ary Farah" userId="b4a11b600c829974" providerId="LiveId" clId="{E409260D-6CDA-40B7-A12D-ECAB705D86D9}" dt="2023-08-20T22:46:20.079" v="235" actId="1076"/>
+          <ac:spMkLst>
+            <pc:docMk/>
+            <pc:sldMk cId="3127953079" sldId="259"/>
+            <ac:spMk id="2" creationId="{FD5FE776-F787-D4A0-436B-B34C8732D7D4}"/>
+          </ac:spMkLst>
+        </pc:spChg>
+        <pc:spChg chg="del mod">
+          <ac:chgData name="Ary Farah" userId="b4a11b600c829974" providerId="LiveId" clId="{E409260D-6CDA-40B7-A12D-ECAB705D86D9}" dt="2023-08-20T22:43:47.495" v="209" actId="478"/>
+          <ac:spMkLst>
+            <pc:docMk/>
+            <pc:sldMk cId="3127953079" sldId="259"/>
+            <ac:spMk id="3" creationId="{07C16EB0-2DBA-503F-8A81-5BA9584CEC7D}"/>
+          </ac:spMkLst>
+        </pc:spChg>
+        <pc:spChg chg="add del mod">
+          <ac:chgData name="Ary Farah" userId="b4a11b600c829974" providerId="LiveId" clId="{E409260D-6CDA-40B7-A12D-ECAB705D86D9}" dt="2023-08-20T22:45:02.435" v="227" actId="478"/>
+          <ac:spMkLst>
+            <pc:docMk/>
+            <pc:sldMk cId="3127953079" sldId="259"/>
+            <ac:spMk id="4" creationId="{8D30BEDD-8E2B-5E60-AE99-4A55B18700A4}"/>
+          </ac:spMkLst>
+        </pc:spChg>
+        <pc:spChg chg="add del mod">
+          <ac:chgData name="Ary Farah" userId="b4a11b600c829974" providerId="LiveId" clId="{E409260D-6CDA-40B7-A12D-ECAB705D86D9}" dt="2023-08-20T22:45:04.132" v="229" actId="478"/>
+          <ac:spMkLst>
+            <pc:docMk/>
+            <pc:sldMk cId="3127953079" sldId="259"/>
+            <ac:spMk id="5" creationId="{892DFA40-938F-3334-1177-9E298EEB5D91}"/>
+          </ac:spMkLst>
+        </pc:spChg>
+        <pc:spChg chg="add del mod">
+          <ac:chgData name="Ary Farah" userId="b4a11b600c829974" providerId="LiveId" clId="{E409260D-6CDA-40B7-A12D-ECAB705D86D9}" dt="2023-08-20T22:45:03.144" v="228" actId="478"/>
+          <ac:spMkLst>
+            <pc:docMk/>
+            <pc:sldMk cId="3127953079" sldId="259"/>
+            <ac:spMk id="6" creationId="{BB847BBE-9512-67C5-BCB1-4CA24AF7AB67}"/>
+          </ac:spMkLst>
+        </pc:spChg>
+        <pc:spChg chg="add mod">
+          <ac:chgData name="Ary Farah" userId="b4a11b600c829974" providerId="LiveId" clId="{E409260D-6CDA-40B7-A12D-ECAB705D86D9}" dt="2023-08-20T22:48:49.713" v="301" actId="13822"/>
+          <ac:spMkLst>
+            <pc:docMk/>
+            <pc:sldMk cId="3127953079" sldId="259"/>
+            <ac:spMk id="9" creationId="{A5AF7D62-09B2-0352-9092-25BD3BB65BE0}"/>
+          </ac:spMkLst>
+        </pc:spChg>
+        <pc:spChg chg="add mod">
+          <ac:chgData name="Ary Farah" userId="b4a11b600c829974" providerId="LiveId" clId="{E409260D-6CDA-40B7-A12D-ECAB705D86D9}" dt="2023-08-20T22:52:58.913" v="603" actId="1038"/>
+          <ac:spMkLst>
+            <pc:docMk/>
+            <pc:sldMk cId="3127953079" sldId="259"/>
+            <ac:spMk id="13" creationId="{8C9CBC84-F0D5-F7BE-6145-63C8057F4DF8}"/>
+          </ac:spMkLst>
+        </pc:spChg>
+        <pc:spChg chg="add mod">
+          <ac:chgData name="Ary Farah" userId="b4a11b600c829974" providerId="LiveId" clId="{E409260D-6CDA-40B7-A12D-ECAB705D86D9}" dt="2023-08-20T22:46:17.864" v="234" actId="26606"/>
+          <ac:spMkLst>
+            <pc:docMk/>
+            <pc:sldMk cId="3127953079" sldId="259"/>
+            <ac:spMk id="15" creationId="{4C753A68-3755-976F-1277-72CB545CC546}"/>
+          </ac:spMkLst>
+        </pc:spChg>
+        <pc:spChg chg="add mod">
+          <ac:chgData name="Ary Farah" userId="b4a11b600c829974" providerId="LiveId" clId="{E409260D-6CDA-40B7-A12D-ECAB705D86D9}" dt="2023-08-20T22:46:17.864" v="234" actId="26606"/>
+          <ac:spMkLst>
+            <pc:docMk/>
+            <pc:sldMk cId="3127953079" sldId="259"/>
+            <ac:spMk id="17" creationId="{01493447-621D-A40D-FF80-C95105EF04EA}"/>
+          </ac:spMkLst>
+        </pc:spChg>
+        <pc:spChg chg="add mod">
+          <ac:chgData name="Ary Farah" userId="b4a11b600c829974" providerId="LiveId" clId="{E409260D-6CDA-40B7-A12D-ECAB705D86D9}" dt="2023-08-20T22:46:17.864" v="234" actId="26606"/>
+          <ac:spMkLst>
+            <pc:docMk/>
+            <pc:sldMk cId="3127953079" sldId="259"/>
+            <ac:spMk id="19" creationId="{77E3683D-7FC0-A2ED-DD78-A21FBE3799B3}"/>
+          </ac:spMkLst>
+        </pc:spChg>
+        <pc:picChg chg="add mod">
+          <ac:chgData name="Ary Farah" userId="b4a11b600c829974" providerId="LiveId" clId="{E409260D-6CDA-40B7-A12D-ECAB705D86D9}" dt="2023-08-20T22:46:25.917" v="236" actId="1076"/>
+          <ac:picMkLst>
+            <pc:docMk/>
+            <pc:sldMk cId="3127953079" sldId="259"/>
+            <ac:picMk id="8" creationId="{D02F8625-1D42-145E-E0EA-C8B1639D59BA}"/>
+          </ac:picMkLst>
+        </pc:picChg>
+      </pc:sldChg>
+    </pc:docChg>
+  </pc:docChgLst>
+</pc:chgInfo>
 </file>
 
 <file path=ppt/slideLayouts/slideLayout1.xml><?xml version="1.0" encoding="utf-8"?>
@@ -220,7 +581,7 @@
           <a:p>
             <a:fld id="{E7736193-EDE3-4BB5-AE5F-E6E5472AB8BE}" type="datetimeFigureOut">
               <a:rPr lang="en-US" smtClean="0"/>
-              <a:t>8/18/2023</a:t>
+              <a:t>8/20/2023</a:t>
             </a:fld>
             <a:endParaRPr lang="en-US"/>
           </a:p>
@@ -468,7 +829,7 @@
           <a:p>
             <a:fld id="{E7736193-EDE3-4BB5-AE5F-E6E5472AB8BE}" type="datetimeFigureOut">
               <a:rPr lang="en-US" smtClean="0"/>
-              <a:t>8/18/2023</a:t>
+              <a:t>8/20/2023</a:t>
             </a:fld>
             <a:endParaRPr lang="en-US"/>
           </a:p>
@@ -676,7 +1037,7 @@
           <a:p>
             <a:fld id="{E7736193-EDE3-4BB5-AE5F-E6E5472AB8BE}" type="datetimeFigureOut">
               <a:rPr lang="en-US" smtClean="0"/>
-              <a:t>8/18/2023</a:t>
+              <a:t>8/20/2023</a:t>
             </a:fld>
             <a:endParaRPr lang="en-US"/>
           </a:p>
@@ -874,7 +1235,7 @@
           <a:p>
             <a:fld id="{E7736193-EDE3-4BB5-AE5F-E6E5472AB8BE}" type="datetimeFigureOut">
               <a:rPr lang="en-US" smtClean="0"/>
-              <a:t>8/18/2023</a:t>
+              <a:t>8/20/2023</a:t>
             </a:fld>
             <a:endParaRPr lang="en-US"/>
           </a:p>
@@ -1151,7 +1512,7 @@
           <a:p>
             <a:fld id="{E7736193-EDE3-4BB5-AE5F-E6E5472AB8BE}" type="datetimeFigureOut">
               <a:rPr lang="en-US" smtClean="0"/>
-              <a:t>8/18/2023</a:t>
+              <a:t>8/20/2023</a:t>
             </a:fld>
             <a:endParaRPr lang="en-US"/>
           </a:p>
@@ -1421,7 +1782,7 @@
           <a:p>
             <a:fld id="{E7736193-EDE3-4BB5-AE5F-E6E5472AB8BE}" type="datetimeFigureOut">
               <a:rPr lang="en-US" smtClean="0"/>
-              <a:t>8/18/2023</a:t>
+              <a:t>8/20/2023</a:t>
             </a:fld>
             <a:endParaRPr lang="en-US"/>
           </a:p>
@@ -1837,7 +2198,7 @@
           <a:p>
             <a:fld id="{E7736193-EDE3-4BB5-AE5F-E6E5472AB8BE}" type="datetimeFigureOut">
               <a:rPr lang="en-US" smtClean="0"/>
-              <a:t>8/18/2023</a:t>
+              <a:t>8/20/2023</a:t>
             </a:fld>
             <a:endParaRPr lang="en-US"/>
           </a:p>
@@ -2070,7 +2431,7 @@
           <a:p>
             <a:fld id="{E7736193-EDE3-4BB5-AE5F-E6E5472AB8BE}" type="datetimeFigureOut">
               <a:rPr lang="en-US" smtClean="0"/>
-              <a:t>8/18/2023</a:t>
+              <a:t>8/20/2023</a:t>
             </a:fld>
             <a:endParaRPr lang="en-US"/>
           </a:p>
@@ -2183,7 +2544,7 @@
           <a:p>
             <a:fld id="{E7736193-EDE3-4BB5-AE5F-E6E5472AB8BE}" type="datetimeFigureOut">
               <a:rPr lang="en-US" smtClean="0"/>
-              <a:t>8/18/2023</a:t>
+              <a:t>8/20/2023</a:t>
             </a:fld>
             <a:endParaRPr lang="en-US"/>
           </a:p>
@@ -2500,7 +2861,7 @@
           <a:p>
             <a:fld id="{E7736193-EDE3-4BB5-AE5F-E6E5472AB8BE}" type="datetimeFigureOut">
               <a:rPr lang="en-US" smtClean="0"/>
-              <a:t>8/18/2023</a:t>
+              <a:t>8/20/2023</a:t>
             </a:fld>
             <a:endParaRPr lang="en-US"/>
           </a:p>
@@ -2853,7 +3214,7 @@
           <a:p>
             <a:fld id="{E7736193-EDE3-4BB5-AE5F-E6E5472AB8BE}" type="datetimeFigureOut">
               <a:rPr lang="en-US" smtClean="0"/>
-              <a:t>8/18/2023</a:t>
+              <a:t>8/20/2023</a:t>
             </a:fld>
             <a:endParaRPr lang="en-US"/>
           </a:p>
@@ -3151,7 +3512,7 @@
           <a:p>
             <a:fld id="{E7736193-EDE3-4BB5-AE5F-E6E5472AB8BE}" type="datetimeFigureOut">
               <a:rPr lang="en-US" smtClean="0"/>
-              <a:t>8/18/2023</a:t>
+              <a:t>8/20/2023</a:t>
             </a:fld>
             <a:endParaRPr lang="en-US"/>
           </a:p>
@@ -3797,7 +4158,7 @@
         </p:blipFill>
         <p:spPr>
           <a:xfrm>
-            <a:off x="-1" y="-157691"/>
+            <a:off x="9330" y="-148360"/>
             <a:ext cx="12192001" cy="6858000"/>
           </a:xfrm>
           <a:prstGeom prst="rect">
@@ -4293,8 +4654,13 @@
           <a:p>
             <a:r>
               <a:rPr lang="pt-BR" sz="2400" dirty="0"/>
-              <a:t>Quem hoje em dia conhece um disquete? Ou entende pra que serve aquele pincel de formatação?</a:t>
-            </a:r>
+              <a:t>Quem hoje em dia conhece um disquete? Ou então, ao bater o olho, entende pra que serve </a:t>
+            </a:r>
+            <a:r>
+              <a:rPr lang="pt-BR" sz="2400"/>
+              <a:t>aquele pincel?</a:t>
+            </a:r>
+            <a:endParaRPr lang="pt-BR" sz="2400" dirty="0"/>
           </a:p>
         </p:txBody>
       </p:sp>
@@ -4326,7 +4692,7 @@
         </p:blipFill>
         <p:spPr>
           <a:xfrm>
-            <a:off x="3409649" y="2937431"/>
+            <a:off x="3820196" y="2828835"/>
             <a:ext cx="1566463" cy="1569660"/>
           </a:xfrm>
           <a:prstGeom prst="rect">
@@ -4334,12 +4700,47 @@
           </a:prstGeom>
         </p:spPr>
       </p:pic>
+      <p:sp>
+        <p:nvSpPr>
+          <p:cNvPr id="10" name="CaixaDeTexto 9">
+            <a:extLst>
+              <a:ext uri="{FF2B5EF4-FFF2-40B4-BE49-F238E27FC236}">
+                <a16:creationId xmlns:a16="http://schemas.microsoft.com/office/drawing/2014/main" id="{B04CAAF3-0526-7391-B35E-906EFA2CA296}"/>
+              </a:ext>
+            </a:extLst>
+          </p:cNvPr>
+          <p:cNvSpPr txBox="1"/>
+          <p:nvPr/>
+        </p:nvSpPr>
+        <p:spPr>
+          <a:xfrm>
+            <a:off x="1174376" y="4635694"/>
+            <a:ext cx="10076329" cy="1200329"/>
+          </a:xfrm>
+          <a:prstGeom prst="rect">
+            <a:avLst/>
+          </a:prstGeom>
+          <a:noFill/>
+        </p:spPr>
+        <p:txBody>
+          <a:bodyPr wrap="square" rtlCol="0">
+            <a:spAutoFit/>
+          </a:bodyPr>
+          <a:lstStyle/>
+          <a:p>
+            <a:r>
+              <a:rPr lang="pt-BR" sz="2400" dirty="0"/>
+              <a:t>Pensando nisso, nossa equipe desenvolveu dois novos símbolos que poderiam ser um pouco mais intuitivos, mais “entendíveis” para aqueles com pouca experiência no assunto.</a:t>
+            </a:r>
+          </a:p>
+        </p:txBody>
+      </p:sp>
       <p:pic>
         <p:nvPicPr>
-          <p:cNvPr id="8" name="Imagem 7" descr="Ícone&#10;&#10;Descrição gerada automaticamente">
-            <a:extLst>
-              <a:ext uri="{FF2B5EF4-FFF2-40B4-BE49-F238E27FC236}">
-                <a16:creationId xmlns:a16="http://schemas.microsoft.com/office/drawing/2014/main" id="{A13B45AD-D5BE-5F3F-E463-BD250B1BEB1F}"/>
+          <p:cNvPr id="7" name="Imagem 6" descr="Forma&#10;&#10;Descrição gerada automaticamente">
+            <a:extLst>
+              <a:ext uri="{FF2B5EF4-FFF2-40B4-BE49-F238E27FC236}">
+                <a16:creationId xmlns:a16="http://schemas.microsoft.com/office/drawing/2014/main" id="{CE2F9AFA-94BB-6938-6AD3-26D824CF627D}"/>
               </a:ext>
             </a:extLst>
           </p:cNvPr>
@@ -4362,36 +4763,760 @@
         </p:blipFill>
         <p:spPr>
           <a:xfrm>
-            <a:off x="6748862" y="2721998"/>
-            <a:ext cx="1785093" cy="1785093"/>
+            <a:off x="6391195" y="2777706"/>
+            <a:ext cx="1671918" cy="1671918"/>
           </a:xfrm>
           <a:prstGeom prst="rect">
             <a:avLst/>
           </a:prstGeom>
         </p:spPr>
       </p:pic>
-      <p:sp>
-        <p:nvSpPr>
-          <p:cNvPr id="10" name="CaixaDeTexto 9">
-            <a:extLst>
-              <a:ext uri="{FF2B5EF4-FFF2-40B4-BE49-F238E27FC236}">
-                <a16:creationId xmlns:a16="http://schemas.microsoft.com/office/drawing/2014/main" id="{B04CAAF3-0526-7391-B35E-906EFA2CA296}"/>
-              </a:ext>
-            </a:extLst>
-          </p:cNvPr>
-          <p:cNvSpPr txBox="1"/>
+    </p:spTree>
+    <p:extLst>
+      <p:ext uri="{BB962C8B-B14F-4D97-AF65-F5344CB8AC3E}">
+        <p14:creationId xmlns:p14="http://schemas.microsoft.com/office/powerpoint/2010/main" val="1576461816"/>
+      </p:ext>
+    </p:extLst>
+  </p:cSld>
+  <p:clrMapOvr>
+    <a:masterClrMapping/>
+  </p:clrMapOvr>
+</p:sld>
+</file>
+
+<file path=ppt/slides/slide3.xml><?xml version="1.0" encoding="utf-8"?>
+<p:sld xmlns:a="http://schemas.openxmlformats.org/drawingml/2006/main" xmlns:r="http://schemas.openxmlformats.org/officeDocument/2006/relationships" xmlns:p="http://schemas.openxmlformats.org/presentationml/2006/main">
+  <p:cSld>
+    <p:spTree>
+      <p:nvGrpSpPr>
+        <p:cNvPr id="1" name=""/>
+        <p:cNvGrpSpPr/>
+        <p:nvPr/>
+      </p:nvGrpSpPr>
+      <p:grpSpPr>
+        <a:xfrm>
+          <a:off x="0" y="0"/>
+          <a:ext cx="0" cy="0"/>
+          <a:chOff x="0" y="0"/>
+          <a:chExt cx="0" cy="0"/>
+        </a:xfrm>
+      </p:grpSpPr>
+      <p:sp>
+        <p:nvSpPr>
+          <p:cNvPr id="2" name="Título 1">
+            <a:extLst>
+              <a:ext uri="{FF2B5EF4-FFF2-40B4-BE49-F238E27FC236}">
+                <a16:creationId xmlns:a16="http://schemas.microsoft.com/office/drawing/2014/main" id="{E6A83EC4-739F-0876-6276-B7CAF4F5593C}"/>
+              </a:ext>
+            </a:extLst>
+          </p:cNvPr>
+          <p:cNvSpPr>
+            <a:spLocks noGrp="1"/>
+          </p:cNvSpPr>
+          <p:nvPr>
+            <p:ph type="ctrTitle"/>
+          </p:nvPr>
+        </p:nvSpPr>
+        <p:spPr>
+          <a:xfrm>
+            <a:off x="997016" y="1597225"/>
+            <a:ext cx="3997036" cy="2410804"/>
+          </a:xfrm>
+        </p:spPr>
+        <p:txBody>
+          <a:bodyPr anchor="ctr">
+            <a:normAutofit/>
+          </a:bodyPr>
+          <a:lstStyle/>
+          <a:p>
+            <a:r>
+              <a:rPr lang="pt-BR" dirty="0"/>
+              <a:t>GRAVAR/</a:t>
+            </a:r>
+            <a:r>
+              <a:rPr lang="pt-BR" dirty="0" err="1"/>
+              <a:t>sALVAR</a:t>
+            </a:r>
+            <a:endParaRPr lang="pt-BR" dirty="0"/>
+          </a:p>
+        </p:txBody>
+      </p:sp>
+      <p:sp>
+        <p:nvSpPr>
+          <p:cNvPr id="11" name="Subtitle 2">
+            <a:extLst>
+              <a:ext uri="{FF2B5EF4-FFF2-40B4-BE49-F238E27FC236}">
+                <a16:creationId xmlns:a16="http://schemas.microsoft.com/office/drawing/2014/main" id="{8C9CBC84-F0D5-F7BE-6145-63C8057F4DF8}"/>
+              </a:ext>
+            </a:extLst>
+          </p:cNvPr>
+          <p:cNvSpPr>
+            <a:spLocks noGrp="1"/>
+          </p:cNvSpPr>
+          <p:nvPr>
+            <p:ph type="subTitle" idx="1"/>
+          </p:nvPr>
+        </p:nvSpPr>
+        <p:spPr>
+          <a:xfrm>
+            <a:off x="1285199" y="3538877"/>
+            <a:ext cx="4609369" cy="2079886"/>
+          </a:xfrm>
+        </p:spPr>
+        <p:txBody>
+          <a:bodyPr anchor="b">
+            <a:normAutofit/>
+          </a:bodyPr>
+          <a:lstStyle/>
+          <a:p>
+            <a:r>
+              <a:rPr lang="en-US" dirty="0"/>
+              <a:t>Para o </a:t>
+            </a:r>
+            <a:r>
+              <a:rPr lang="en-US" dirty="0" err="1"/>
+              <a:t>símbolo</a:t>
+            </a:r>
+            <a:r>
+              <a:rPr lang="en-US" dirty="0"/>
+              <a:t> de </a:t>
+            </a:r>
+            <a:r>
+              <a:rPr lang="en-US" dirty="0" err="1"/>
+              <a:t>salvar</a:t>
+            </a:r>
+            <a:r>
+              <a:rPr lang="en-US" dirty="0"/>
+              <a:t>, </a:t>
+            </a:r>
+            <a:r>
+              <a:rPr lang="en-US" dirty="0" err="1"/>
+              <a:t>decidimos</a:t>
+            </a:r>
+            <a:r>
+              <a:rPr lang="en-US" dirty="0"/>
+              <a:t> </a:t>
+            </a:r>
+            <a:r>
+              <a:rPr lang="en-US" dirty="0" err="1"/>
+              <a:t>fazer</a:t>
+            </a:r>
+            <a:r>
+              <a:rPr lang="en-US" dirty="0"/>
+              <a:t> </a:t>
+            </a:r>
+            <a:r>
+              <a:rPr lang="en-US" dirty="0" err="1"/>
+              <a:t>como</a:t>
+            </a:r>
+            <a:r>
+              <a:rPr lang="en-US" dirty="0"/>
+              <a:t> se fosse </a:t>
+            </a:r>
+            <a:r>
+              <a:rPr lang="en-US" dirty="0" err="1"/>
+              <a:t>uma</a:t>
+            </a:r>
+            <a:r>
+              <a:rPr lang="en-US" dirty="0"/>
+              <a:t> </a:t>
+            </a:r>
+            <a:r>
+              <a:rPr lang="en-US" dirty="0" err="1"/>
+              <a:t>página</a:t>
+            </a:r>
+            <a:r>
+              <a:rPr lang="en-US" dirty="0"/>
+              <a:t>, a </a:t>
+            </a:r>
+            <a:r>
+              <a:rPr lang="en-US" dirty="0" err="1"/>
+              <a:t>primeira</a:t>
+            </a:r>
+            <a:r>
+              <a:rPr lang="en-US" dirty="0"/>
+              <a:t> com </a:t>
+            </a:r>
+            <a:r>
+              <a:rPr lang="en-US" dirty="0" err="1"/>
+              <a:t>reticências</a:t>
+            </a:r>
+            <a:r>
+              <a:rPr lang="en-US" dirty="0"/>
+              <a:t> </a:t>
+            </a:r>
+            <a:r>
+              <a:rPr lang="en-US" dirty="0" err="1"/>
+              <a:t>significando</a:t>
+            </a:r>
+            <a:r>
+              <a:rPr lang="en-US" dirty="0"/>
+              <a:t> que </a:t>
+            </a:r>
+            <a:r>
+              <a:rPr lang="en-US" dirty="0" err="1"/>
+              <a:t>está</a:t>
+            </a:r>
+            <a:r>
+              <a:rPr lang="en-US" dirty="0"/>
+              <a:t> </a:t>
+            </a:r>
+            <a:r>
+              <a:rPr lang="en-US" dirty="0" err="1"/>
+              <a:t>sendo</a:t>
+            </a:r>
+            <a:r>
+              <a:rPr lang="en-US" dirty="0"/>
+              <a:t> </a:t>
+            </a:r>
+            <a:r>
+              <a:rPr lang="en-US" dirty="0" err="1"/>
+              <a:t>alterada</a:t>
+            </a:r>
+            <a:r>
+              <a:rPr lang="en-US" dirty="0"/>
+              <a:t> e a </a:t>
+            </a:r>
+            <a:r>
+              <a:rPr lang="en-US" dirty="0" err="1"/>
+              <a:t>segunda</a:t>
+            </a:r>
+            <a:r>
+              <a:rPr lang="en-US" dirty="0"/>
+              <a:t> com um “check”, </a:t>
+            </a:r>
+            <a:r>
+              <a:rPr lang="en-US" dirty="0" err="1"/>
+              <a:t>indicando</a:t>
+            </a:r>
+            <a:r>
+              <a:rPr lang="en-US" dirty="0"/>
+              <a:t> que o </a:t>
+            </a:r>
+            <a:r>
+              <a:rPr lang="en-US" dirty="0" err="1"/>
+              <a:t>progresso</a:t>
+            </a:r>
+            <a:r>
+              <a:rPr lang="en-US" dirty="0"/>
+              <a:t> </a:t>
+            </a:r>
+            <a:r>
+              <a:rPr lang="en-US" dirty="0" err="1"/>
+              <a:t>está</a:t>
+            </a:r>
+            <a:r>
+              <a:rPr lang="en-US" dirty="0"/>
+              <a:t> salvo no </a:t>
+            </a:r>
+            <a:r>
+              <a:rPr lang="en-US" dirty="0" err="1"/>
+              <a:t>dispositivo</a:t>
+            </a:r>
+            <a:endParaRPr lang="en-US" dirty="0"/>
+          </a:p>
+        </p:txBody>
+      </p:sp>
+      <p:pic>
+        <p:nvPicPr>
+          <p:cNvPr id="6" name="Imagem 5" descr="Forma&#10;&#10;Descrição gerada automaticamente com confiança baixa">
+            <a:extLst>
+              <a:ext uri="{FF2B5EF4-FFF2-40B4-BE49-F238E27FC236}">
+                <a16:creationId xmlns:a16="http://schemas.microsoft.com/office/drawing/2014/main" id="{6B7DD45E-A30E-F601-01A2-4E2B2BEA0C12}"/>
+              </a:ext>
+            </a:extLst>
+          </p:cNvPr>
+          <p:cNvPicPr>
+            <a:picLocks noChangeAspect="1"/>
+          </p:cNvPicPr>
           <p:nvPr/>
-        </p:nvSpPr>
-        <p:spPr>
-          <a:xfrm>
-            <a:off x="1174377" y="5005026"/>
-            <a:ext cx="10076329" cy="830997"/>
+        </p:nvPicPr>
+        <p:blipFill>
+          <a:blip r:embed="rId2">
+            <a:extLst>
+              <a:ext uri="{28A0092B-C50C-407E-A947-70E740481C1C}">
+                <a14:useLocalDpi xmlns:a14="http://schemas.microsoft.com/office/drawing/2010/main" val="0"/>
+              </a:ext>
+            </a:extLst>
+          </a:blip>
+          <a:stretch>
+            <a:fillRect/>
+          </a:stretch>
+        </p:blipFill>
+        <p:spPr>
+          <a:xfrm>
+            <a:off x="8730319" y="1048117"/>
+            <a:ext cx="2062087" cy="2299640"/>
           </a:xfrm>
           <a:prstGeom prst="rect">
             <a:avLst/>
           </a:prstGeom>
           <a:noFill/>
         </p:spPr>
+      </p:pic>
+      <p:sp>
+        <p:nvSpPr>
+          <p:cNvPr id="13" name="Date Placeholder 9">
+            <a:extLst>
+              <a:ext uri="{FF2B5EF4-FFF2-40B4-BE49-F238E27FC236}">
+                <a16:creationId xmlns:a16="http://schemas.microsoft.com/office/drawing/2014/main" id="{82DEB276-8311-D167-F4A6-6AEF782978C1}"/>
+              </a:ext>
+            </a:extLst>
+          </p:cNvPr>
+          <p:cNvSpPr>
+            <a:spLocks noGrp="1"/>
+          </p:cNvSpPr>
+          <p:nvPr>
+            <p:ph type="dt" sz="half" idx="10"/>
+          </p:nvPr>
+        </p:nvSpPr>
+        <p:spPr>
+          <a:xfrm>
+            <a:off x="847726" y="6199188"/>
+            <a:ext cx="2743200" cy="365125"/>
+          </a:xfrm>
+        </p:spPr>
+        <p:txBody>
+          <a:bodyPr/>
+          <a:lstStyle/>
+          <a:p>
+            <a:pPr>
+              <a:spcAft>
+                <a:spcPts val="600"/>
+              </a:spcAft>
+            </a:pPr>
+            <a:fld id="{D46B33A0-D651-42CF-A758-EF0190F84F4B}" type="datetime1">
+              <a:rPr lang="en-US" smtClean="0"/>
+              <a:pPr>
+                <a:spcAft>
+                  <a:spcPts val="600"/>
+                </a:spcAft>
+              </a:pPr>
+              <a:t>8/20/2023</a:t>
+            </a:fld>
+            <a:endParaRPr lang="en-US" dirty="0"/>
+          </a:p>
+        </p:txBody>
+      </p:sp>
+      <p:sp>
+        <p:nvSpPr>
+          <p:cNvPr id="15" name="Footer Placeholder 10">
+            <a:extLst>
+              <a:ext uri="{FF2B5EF4-FFF2-40B4-BE49-F238E27FC236}">
+                <a16:creationId xmlns:a16="http://schemas.microsoft.com/office/drawing/2014/main" id="{A951C292-0895-FBAE-FACD-6218C51CE6CD}"/>
+              </a:ext>
+            </a:extLst>
+          </p:cNvPr>
+          <p:cNvSpPr>
+            <a:spLocks noGrp="1"/>
+          </p:cNvSpPr>
+          <p:nvPr>
+            <p:ph type="ftr" sz="quarter" idx="11"/>
+          </p:nvPr>
+        </p:nvSpPr>
+        <p:spPr>
+          <a:xfrm>
+            <a:off x="7286625" y="6199188"/>
+            <a:ext cx="3409951" cy="365125"/>
+          </a:xfrm>
+        </p:spPr>
+        <p:txBody>
+          <a:bodyPr/>
+          <a:lstStyle/>
+          <a:p>
+            <a:pPr>
+              <a:spcAft>
+                <a:spcPts val="600"/>
+              </a:spcAft>
+            </a:pPr>
+            <a:r>
+              <a:rPr lang="en-US" dirty="0"/>
+              <a:t>Sample Footer Text</a:t>
+            </a:r>
+          </a:p>
+        </p:txBody>
+      </p:sp>
+      <p:sp>
+        <p:nvSpPr>
+          <p:cNvPr id="17" name="Slide Number Placeholder 11">
+            <a:extLst>
+              <a:ext uri="{FF2B5EF4-FFF2-40B4-BE49-F238E27FC236}">
+                <a16:creationId xmlns:a16="http://schemas.microsoft.com/office/drawing/2014/main" id="{431ADC51-CCC5-C549-E32C-8D4B995D6344}"/>
+              </a:ext>
+            </a:extLst>
+          </p:cNvPr>
+          <p:cNvSpPr>
+            <a:spLocks noGrp="1"/>
+          </p:cNvSpPr>
+          <p:nvPr>
+            <p:ph type="sldNum" sz="quarter" idx="12"/>
+          </p:nvPr>
+        </p:nvSpPr>
+        <p:spPr>
+          <a:xfrm>
+            <a:off x="10696577" y="6199188"/>
+            <a:ext cx="619125" cy="365125"/>
+          </a:xfrm>
+        </p:spPr>
+        <p:txBody>
+          <a:bodyPr/>
+          <a:lstStyle/>
+          <a:p>
+            <a:pPr>
+              <a:spcAft>
+                <a:spcPts val="600"/>
+              </a:spcAft>
+            </a:pPr>
+            <a:fld id="{1437450A-6C25-4B4D-B27D-E1E9B2CE4682}" type="slidenum">
+              <a:rPr lang="en-US" smtClean="0"/>
+              <a:pPr>
+                <a:spcAft>
+                  <a:spcPts val="600"/>
+                </a:spcAft>
+              </a:pPr>
+              <a:t>3</a:t>
+            </a:fld>
+            <a:endParaRPr lang="en-US"/>
+          </a:p>
+        </p:txBody>
+      </p:sp>
+      <p:sp>
+        <p:nvSpPr>
+          <p:cNvPr id="7" name="Retângulo 6">
+            <a:extLst>
+              <a:ext uri="{FF2B5EF4-FFF2-40B4-BE49-F238E27FC236}">
+                <a16:creationId xmlns:a16="http://schemas.microsoft.com/office/drawing/2014/main" id="{96E3C3B2-AC69-35A7-61B9-938B2D002CD6}"/>
+              </a:ext>
+            </a:extLst>
+          </p:cNvPr>
+          <p:cNvSpPr/>
+          <p:nvPr/>
+        </p:nvSpPr>
+        <p:spPr>
+          <a:xfrm>
+            <a:off x="9880341" y="2281155"/>
+            <a:ext cx="1257300" cy="521472"/>
+          </a:xfrm>
+          <a:prstGeom prst="rect">
+            <a:avLst/>
+          </a:prstGeom>
+          <a:solidFill>
+            <a:srgbClr val="E2E4E8"/>
+          </a:solidFill>
+          <a:ln>
+            <a:noFill/>
+          </a:ln>
+        </p:spPr>
+        <p:style>
+          <a:lnRef idx="2">
+            <a:schemeClr val="accent1">
+              <a:shade val="15000"/>
+            </a:schemeClr>
+          </a:lnRef>
+          <a:fillRef idx="1">
+            <a:schemeClr val="accent1"/>
+          </a:fillRef>
+          <a:effectRef idx="0">
+            <a:schemeClr val="accent1"/>
+          </a:effectRef>
+          <a:fontRef idx="minor">
+            <a:schemeClr val="lt1"/>
+          </a:fontRef>
+        </p:style>
+        <p:txBody>
+          <a:bodyPr rtlCol="0" anchor="ctr"/>
+          <a:lstStyle/>
+          <a:p>
+            <a:pPr algn="ctr"/>
+            <a:endParaRPr lang="pt-BR"/>
+          </a:p>
+        </p:txBody>
+      </p:sp>
+      <p:pic>
+        <p:nvPicPr>
+          <p:cNvPr id="8" name="Imagem 7" descr="Forma&#10;&#10;Descrição gerada automaticamente com confiança baixa">
+            <a:extLst>
+              <a:ext uri="{FF2B5EF4-FFF2-40B4-BE49-F238E27FC236}">
+                <a16:creationId xmlns:a16="http://schemas.microsoft.com/office/drawing/2014/main" id="{23F9AEDA-BB39-FF61-241B-3EF0A4797472}"/>
+              </a:ext>
+            </a:extLst>
+          </p:cNvPr>
+          <p:cNvPicPr>
+            <a:picLocks noChangeAspect="1"/>
+          </p:cNvPicPr>
+          <p:nvPr/>
+        </p:nvPicPr>
+        <p:blipFill>
+          <a:blip r:embed="rId2">
+            <a:extLst>
+              <a:ext uri="{28A0092B-C50C-407E-A947-70E740481C1C}">
+                <a14:useLocalDpi xmlns:a14="http://schemas.microsoft.com/office/drawing/2010/main" val="0"/>
+              </a:ext>
+            </a:extLst>
+          </a:blip>
+          <a:stretch>
+            <a:fillRect/>
+          </a:stretch>
+        </p:blipFill>
+        <p:spPr>
+          <a:xfrm>
+            <a:off x="6668232" y="3429000"/>
+            <a:ext cx="2062087" cy="2299640"/>
+          </a:xfrm>
+          <a:prstGeom prst="rect">
+            <a:avLst/>
+          </a:prstGeom>
+          <a:noFill/>
+        </p:spPr>
+      </p:pic>
+      <p:sp>
+        <p:nvSpPr>
+          <p:cNvPr id="12" name="Elipse 11">
+            <a:extLst>
+              <a:ext uri="{FF2B5EF4-FFF2-40B4-BE49-F238E27FC236}">
+                <a16:creationId xmlns:a16="http://schemas.microsoft.com/office/drawing/2014/main" id="{83048362-0B88-AD18-F853-BBFB121C6B97}"/>
+              </a:ext>
+            </a:extLst>
+          </p:cNvPr>
+          <p:cNvSpPr/>
+          <p:nvPr/>
+        </p:nvSpPr>
+        <p:spPr>
+          <a:xfrm>
+            <a:off x="10453386" y="2388246"/>
+            <a:ext cx="308616" cy="288548"/>
+          </a:xfrm>
+          <a:prstGeom prst="ellipse">
+            <a:avLst/>
+          </a:prstGeom>
+        </p:spPr>
+        <p:style>
+          <a:lnRef idx="2">
+            <a:schemeClr val="dk1">
+              <a:shade val="15000"/>
+            </a:schemeClr>
+          </a:lnRef>
+          <a:fillRef idx="1">
+            <a:schemeClr val="dk1"/>
+          </a:fillRef>
+          <a:effectRef idx="0">
+            <a:schemeClr val="dk1"/>
+          </a:effectRef>
+          <a:fontRef idx="minor">
+            <a:schemeClr val="lt1"/>
+          </a:fontRef>
+        </p:style>
+        <p:txBody>
+          <a:bodyPr rtlCol="0" anchor="ctr"/>
+          <a:lstStyle/>
+          <a:p>
+            <a:pPr algn="ctr"/>
+            <a:endParaRPr lang="pt-BR"/>
+          </a:p>
+        </p:txBody>
+      </p:sp>
+      <p:sp>
+        <p:nvSpPr>
+          <p:cNvPr id="16" name="Elipse 15">
+            <a:extLst>
+              <a:ext uri="{FF2B5EF4-FFF2-40B4-BE49-F238E27FC236}">
+                <a16:creationId xmlns:a16="http://schemas.microsoft.com/office/drawing/2014/main" id="{BA3DA38B-1867-4ACD-9EFD-1F96FE74C368}"/>
+              </a:ext>
+            </a:extLst>
+          </p:cNvPr>
+          <p:cNvSpPr/>
+          <p:nvPr/>
+        </p:nvSpPr>
+        <p:spPr>
+          <a:xfrm>
+            <a:off x="10855291" y="2388246"/>
+            <a:ext cx="308616" cy="288548"/>
+          </a:xfrm>
+          <a:prstGeom prst="ellipse">
+            <a:avLst/>
+          </a:prstGeom>
+        </p:spPr>
+        <p:style>
+          <a:lnRef idx="2">
+            <a:schemeClr val="dk1">
+              <a:shade val="15000"/>
+            </a:schemeClr>
+          </a:lnRef>
+          <a:fillRef idx="1">
+            <a:schemeClr val="dk1"/>
+          </a:fillRef>
+          <a:effectRef idx="0">
+            <a:schemeClr val="dk1"/>
+          </a:effectRef>
+          <a:fontRef idx="minor">
+            <a:schemeClr val="lt1"/>
+          </a:fontRef>
+        </p:style>
+        <p:txBody>
+          <a:bodyPr rtlCol="0" anchor="ctr"/>
+          <a:lstStyle/>
+          <a:p>
+            <a:pPr algn="ctr"/>
+            <a:endParaRPr lang="pt-BR"/>
+          </a:p>
+        </p:txBody>
+      </p:sp>
+      <p:sp>
+        <p:nvSpPr>
+          <p:cNvPr id="18" name="Elipse 17">
+            <a:extLst>
+              <a:ext uri="{FF2B5EF4-FFF2-40B4-BE49-F238E27FC236}">
+                <a16:creationId xmlns:a16="http://schemas.microsoft.com/office/drawing/2014/main" id="{914AE18F-9C0E-ACF1-65BA-C1BA8018081D}"/>
+              </a:ext>
+            </a:extLst>
+          </p:cNvPr>
+          <p:cNvSpPr/>
+          <p:nvPr/>
+        </p:nvSpPr>
+        <p:spPr>
+          <a:xfrm>
+            <a:off x="10048365" y="2397966"/>
+            <a:ext cx="308616" cy="288548"/>
+          </a:xfrm>
+          <a:prstGeom prst="ellipse">
+            <a:avLst/>
+          </a:prstGeom>
+        </p:spPr>
+        <p:style>
+          <a:lnRef idx="2">
+            <a:schemeClr val="dk1">
+              <a:shade val="15000"/>
+            </a:schemeClr>
+          </a:lnRef>
+          <a:fillRef idx="1">
+            <a:schemeClr val="dk1"/>
+          </a:fillRef>
+          <a:effectRef idx="0">
+            <a:schemeClr val="dk1"/>
+          </a:effectRef>
+          <a:fontRef idx="minor">
+            <a:schemeClr val="lt1"/>
+          </a:fontRef>
+        </p:style>
+        <p:txBody>
+          <a:bodyPr rtlCol="0" anchor="ctr"/>
+          <a:lstStyle/>
+          <a:p>
+            <a:pPr algn="ctr"/>
+            <a:endParaRPr lang="pt-BR"/>
+          </a:p>
+        </p:txBody>
+      </p:sp>
+      <p:sp>
+        <p:nvSpPr>
+          <p:cNvPr id="19" name="Retângulo 18">
+            <a:extLst>
+              <a:ext uri="{FF2B5EF4-FFF2-40B4-BE49-F238E27FC236}">
+                <a16:creationId xmlns:a16="http://schemas.microsoft.com/office/drawing/2014/main" id="{76AE5D7F-48B9-44D8-9F28-5C7C3D73F3C0}"/>
+              </a:ext>
+            </a:extLst>
+          </p:cNvPr>
+          <p:cNvSpPr/>
+          <p:nvPr/>
+        </p:nvSpPr>
+        <p:spPr>
+          <a:xfrm>
+            <a:off x="7734300" y="4669394"/>
+            <a:ext cx="1257300" cy="521472"/>
+          </a:xfrm>
+          <a:prstGeom prst="rect">
+            <a:avLst/>
+          </a:prstGeom>
+          <a:solidFill>
+            <a:srgbClr val="E2E4E8"/>
+          </a:solidFill>
+          <a:ln>
+            <a:noFill/>
+          </a:ln>
+        </p:spPr>
+        <p:style>
+          <a:lnRef idx="2">
+            <a:schemeClr val="accent1">
+              <a:shade val="15000"/>
+            </a:schemeClr>
+          </a:lnRef>
+          <a:fillRef idx="1">
+            <a:schemeClr val="accent1"/>
+          </a:fillRef>
+          <a:effectRef idx="0">
+            <a:schemeClr val="accent1"/>
+          </a:effectRef>
+          <a:fontRef idx="minor">
+            <a:schemeClr val="lt1"/>
+          </a:fontRef>
+        </p:style>
+        <p:txBody>
+          <a:bodyPr rtlCol="0" anchor="ctr"/>
+          <a:lstStyle/>
+          <a:p>
+            <a:pPr algn="ctr"/>
+            <a:endParaRPr lang="pt-BR"/>
+          </a:p>
+        </p:txBody>
+      </p:sp>
+      <p:pic>
+        <p:nvPicPr>
+          <p:cNvPr id="21" name="Imagem 20" descr="Padrão do plano de fundo&#10;&#10;Descrição gerada automaticamente com confiança média">
+            <a:extLst>
+              <a:ext uri="{FF2B5EF4-FFF2-40B4-BE49-F238E27FC236}">
+                <a16:creationId xmlns:a16="http://schemas.microsoft.com/office/drawing/2014/main" id="{A8FB0335-44ED-E9D6-9A59-D81D45A12DAA}"/>
+              </a:ext>
+            </a:extLst>
+          </p:cNvPr>
+          <p:cNvPicPr>
+            <a:picLocks noChangeAspect="1"/>
+          </p:cNvPicPr>
+          <p:nvPr/>
+        </p:nvPicPr>
+        <p:blipFill>
+          <a:blip r:embed="rId3">
+            <a:extLst>
+              <a:ext uri="{28A0092B-C50C-407E-A947-70E740481C1C}">
+                <a14:useLocalDpi xmlns:a14="http://schemas.microsoft.com/office/drawing/2010/main" val="0"/>
+              </a:ext>
+            </a:extLst>
+          </a:blip>
+          <a:stretch>
+            <a:fillRect/>
+          </a:stretch>
+        </p:blipFill>
+        <p:spPr>
+          <a:xfrm>
+            <a:off x="8092180" y="4613408"/>
+            <a:ext cx="795181" cy="542274"/>
+          </a:xfrm>
+          <a:prstGeom prst="rect">
+            <a:avLst/>
+          </a:prstGeom>
+        </p:spPr>
+      </p:pic>
+      <p:sp>
+        <p:nvSpPr>
+          <p:cNvPr id="22" name="CaixaDeTexto 21">
+            <a:extLst>
+              <a:ext uri="{FF2B5EF4-FFF2-40B4-BE49-F238E27FC236}">
+                <a16:creationId xmlns:a16="http://schemas.microsoft.com/office/drawing/2014/main" id="{645FAE6A-7596-7263-C243-D1E752542DED}"/>
+              </a:ext>
+            </a:extLst>
+          </p:cNvPr>
+          <p:cNvSpPr txBox="1"/>
+          <p:nvPr/>
+        </p:nvSpPr>
+        <p:spPr>
+          <a:xfrm>
+            <a:off x="7515763" y="2096489"/>
+            <a:ext cx="1399592" cy="369332"/>
+          </a:xfrm>
+          <a:prstGeom prst="rect">
+            <a:avLst/>
+          </a:prstGeom>
+          <a:noFill/>
+        </p:spPr>
         <p:txBody>
           <a:bodyPr wrap="square" rtlCol="0">
             <a:spAutoFit/>
@@ -4399,21 +5524,477 @@
           <a:lstStyle/>
           <a:p>
             <a:r>
-              <a:rPr lang="pt-BR" sz="2400" dirty="0"/>
-              <a:t>Pensando nisso, nossa equipe desenvolveu dois símbolos que poderiam ser um pouco mais intuitivos, mais “entendíveis” para os </a:t>
-            </a:r>
-            <a:r>
-              <a:rPr lang="pt-BR" sz="2400" dirty="0" err="1"/>
-              <a:t>inexperiêntes</a:t>
-            </a:r>
-            <a:endParaRPr lang="pt-BR" sz="2400" dirty="0"/>
+              <a:rPr lang="pt-BR" b="1" dirty="0">
+                <a:latin typeface="Aharoni" panose="02010803020104030203" pitchFamily="2" charset="-79"/>
+                <a:cs typeface="Aharoni" panose="02010803020104030203" pitchFamily="2" charset="-79"/>
+              </a:rPr>
+              <a:t>Não Salvo</a:t>
+            </a:r>
+          </a:p>
+        </p:txBody>
+      </p:sp>
+      <p:sp>
+        <p:nvSpPr>
+          <p:cNvPr id="23" name="CaixaDeTexto 22">
+            <a:extLst>
+              <a:ext uri="{FF2B5EF4-FFF2-40B4-BE49-F238E27FC236}">
+                <a16:creationId xmlns:a16="http://schemas.microsoft.com/office/drawing/2014/main" id="{3A4CB147-CE93-7BB4-B537-694A5DFD0FE4}"/>
+              </a:ext>
+            </a:extLst>
+          </p:cNvPr>
+          <p:cNvSpPr txBox="1"/>
+          <p:nvPr/>
+        </p:nvSpPr>
+        <p:spPr>
+          <a:xfrm>
+            <a:off x="9362410" y="4660063"/>
+            <a:ext cx="1399592" cy="369332"/>
+          </a:xfrm>
+          <a:prstGeom prst="rect">
+            <a:avLst/>
+          </a:prstGeom>
+          <a:noFill/>
+        </p:spPr>
+        <p:txBody>
+          <a:bodyPr wrap="square" rtlCol="0">
+            <a:spAutoFit/>
+          </a:bodyPr>
+          <a:lstStyle/>
+          <a:p>
+            <a:r>
+              <a:rPr lang="pt-BR" b="1" dirty="0">
+                <a:latin typeface="Aharoni" panose="02010803020104030203" pitchFamily="2" charset="-79"/>
+                <a:cs typeface="Aharoni" panose="02010803020104030203" pitchFamily="2" charset="-79"/>
+              </a:rPr>
+              <a:t>Salvo</a:t>
+            </a:r>
           </a:p>
         </p:txBody>
       </p:sp>
     </p:spTree>
     <p:extLst>
       <p:ext uri="{BB962C8B-B14F-4D97-AF65-F5344CB8AC3E}">
-        <p14:creationId xmlns:p14="http://schemas.microsoft.com/office/powerpoint/2010/main" val="1576461816"/>
+        <p14:creationId xmlns:p14="http://schemas.microsoft.com/office/powerpoint/2010/main" val="454436980"/>
+      </p:ext>
+    </p:extLst>
+  </p:cSld>
+  <p:clrMapOvr>
+    <a:masterClrMapping/>
+  </p:clrMapOvr>
+</p:sld>
+</file>
+
+<file path=ppt/slides/slide4.xml><?xml version="1.0" encoding="utf-8"?>
+<p:sld xmlns:a="http://schemas.openxmlformats.org/drawingml/2006/main" xmlns:r="http://schemas.openxmlformats.org/officeDocument/2006/relationships" xmlns:p="http://schemas.openxmlformats.org/presentationml/2006/main">
+  <p:cSld>
+    <p:spTree>
+      <p:nvGrpSpPr>
+        <p:cNvPr id="1" name=""/>
+        <p:cNvGrpSpPr/>
+        <p:nvPr/>
+      </p:nvGrpSpPr>
+      <p:grpSpPr>
+        <a:xfrm>
+          <a:off x="0" y="0"/>
+          <a:ext cx="0" cy="0"/>
+          <a:chOff x="0" y="0"/>
+          <a:chExt cx="0" cy="0"/>
+        </a:xfrm>
+      </p:grpSpPr>
+      <p:sp>
+        <p:nvSpPr>
+          <p:cNvPr id="2" name="Título 1">
+            <a:extLst>
+              <a:ext uri="{FF2B5EF4-FFF2-40B4-BE49-F238E27FC236}">
+                <a16:creationId xmlns:a16="http://schemas.microsoft.com/office/drawing/2014/main" id="{FD5FE776-F787-D4A0-436B-B34C8732D7D4}"/>
+              </a:ext>
+            </a:extLst>
+          </p:cNvPr>
+          <p:cNvSpPr>
+            <a:spLocks noGrp="1"/>
+          </p:cNvSpPr>
+          <p:nvPr>
+            <p:ph type="ctrTitle"/>
+          </p:nvPr>
+        </p:nvSpPr>
+        <p:spPr>
+          <a:xfrm>
+            <a:off x="5929551" y="1597224"/>
+            <a:ext cx="4521633" cy="1831776"/>
+          </a:xfrm>
+        </p:spPr>
+        <p:txBody>
+          <a:bodyPr anchor="ctr">
+            <a:normAutofit/>
+          </a:bodyPr>
+          <a:lstStyle/>
+          <a:p>
+            <a:r>
+              <a:rPr lang="pt-BR" dirty="0"/>
+              <a:t>Formatar</a:t>
+            </a:r>
+          </a:p>
+        </p:txBody>
+      </p:sp>
+      <p:sp>
+        <p:nvSpPr>
+          <p:cNvPr id="13" name="Subtitle 2">
+            <a:extLst>
+              <a:ext uri="{FF2B5EF4-FFF2-40B4-BE49-F238E27FC236}">
+                <a16:creationId xmlns:a16="http://schemas.microsoft.com/office/drawing/2014/main" id="{8C9CBC84-F0D5-F7BE-6145-63C8057F4DF8}"/>
+              </a:ext>
+            </a:extLst>
+          </p:cNvPr>
+          <p:cNvSpPr>
+            <a:spLocks noGrp="1"/>
+          </p:cNvSpPr>
+          <p:nvPr>
+            <p:ph type="subTitle" idx="1"/>
+          </p:nvPr>
+        </p:nvSpPr>
+        <p:spPr>
+          <a:xfrm>
+            <a:off x="6550096" y="3498969"/>
+            <a:ext cx="4069045" cy="1563164"/>
+          </a:xfrm>
+        </p:spPr>
+        <p:txBody>
+          <a:bodyPr anchor="b">
+            <a:normAutofit/>
+          </a:bodyPr>
+          <a:lstStyle/>
+          <a:p>
+            <a:r>
+              <a:rPr lang="en-US" dirty="0" err="1"/>
+              <a:t>Esse</a:t>
+            </a:r>
+            <a:r>
+              <a:rPr lang="en-US" dirty="0"/>
+              <a:t> novo </a:t>
+            </a:r>
+            <a:r>
+              <a:rPr lang="en-US" dirty="0" err="1"/>
+              <a:t>símbolo</a:t>
+            </a:r>
+            <a:r>
+              <a:rPr lang="en-US" dirty="0"/>
+              <a:t> de </a:t>
+            </a:r>
+            <a:r>
+              <a:rPr lang="en-US" dirty="0" err="1"/>
+              <a:t>formatar</a:t>
+            </a:r>
+            <a:r>
+              <a:rPr lang="en-US" dirty="0"/>
+              <a:t> </a:t>
+            </a:r>
+            <a:r>
+              <a:rPr lang="en-US" dirty="0" err="1"/>
+              <a:t>consiste</a:t>
+            </a:r>
+            <a:r>
+              <a:rPr lang="en-US" dirty="0"/>
+              <a:t> </a:t>
+            </a:r>
+            <a:r>
+              <a:rPr lang="en-US" dirty="0" err="1"/>
+              <a:t>em</a:t>
+            </a:r>
+            <a:r>
+              <a:rPr lang="en-US" dirty="0"/>
+              <a:t> algo </a:t>
+            </a:r>
+            <a:r>
+              <a:rPr lang="en-US" dirty="0" err="1"/>
+              <a:t>mais</a:t>
+            </a:r>
+            <a:r>
+              <a:rPr lang="en-US" dirty="0"/>
+              <a:t> </a:t>
+            </a:r>
+            <a:r>
+              <a:rPr lang="en-US" dirty="0" err="1"/>
+              <a:t>apropriado</a:t>
+            </a:r>
+            <a:r>
+              <a:rPr lang="en-US" dirty="0"/>
+              <a:t> para o </a:t>
+            </a:r>
+            <a:r>
+              <a:rPr lang="en-US" dirty="0" err="1"/>
+              <a:t>sua</a:t>
+            </a:r>
+            <a:r>
+              <a:rPr lang="en-US" dirty="0"/>
+              <a:t> </a:t>
+            </a:r>
+            <a:r>
+              <a:rPr lang="en-US" dirty="0" err="1"/>
+              <a:t>função</a:t>
+            </a:r>
+            <a:r>
+              <a:rPr lang="en-US" dirty="0"/>
+              <a:t>, </a:t>
+            </a:r>
+            <a:r>
+              <a:rPr lang="en-US" dirty="0" err="1"/>
+              <a:t>onde</a:t>
+            </a:r>
+            <a:r>
+              <a:rPr lang="en-US" dirty="0"/>
+              <a:t> </a:t>
+            </a:r>
+            <a:r>
+              <a:rPr lang="en-US" dirty="0" err="1"/>
+              <a:t>ele</a:t>
+            </a:r>
+            <a:r>
+              <a:rPr lang="en-US" dirty="0"/>
+              <a:t> “</a:t>
+            </a:r>
+            <a:r>
+              <a:rPr lang="en-US" dirty="0" err="1"/>
+              <a:t>exporta</a:t>
+            </a:r>
+            <a:r>
+              <a:rPr lang="en-US" dirty="0"/>
+              <a:t>” as </a:t>
+            </a:r>
+            <a:r>
+              <a:rPr lang="en-US" dirty="0" err="1"/>
+              <a:t>configurações</a:t>
+            </a:r>
+            <a:r>
+              <a:rPr lang="en-US" dirty="0"/>
+              <a:t> de um </a:t>
+            </a:r>
+            <a:r>
+              <a:rPr lang="en-US" dirty="0" err="1"/>
+              <a:t>bloco</a:t>
+            </a:r>
+            <a:r>
+              <a:rPr lang="en-US" dirty="0"/>
+              <a:t> para outro.</a:t>
+            </a:r>
+          </a:p>
+        </p:txBody>
+      </p:sp>
+      <p:pic>
+        <p:nvPicPr>
+          <p:cNvPr id="8" name="Imagem 7" descr="Forma&#10;&#10;Descrição gerada automaticamente com confiança baixa">
+            <a:extLst>
+              <a:ext uri="{FF2B5EF4-FFF2-40B4-BE49-F238E27FC236}">
+                <a16:creationId xmlns:a16="http://schemas.microsoft.com/office/drawing/2014/main" id="{D02F8625-1D42-145E-E0EA-C8B1639D59BA}"/>
+              </a:ext>
+            </a:extLst>
+          </p:cNvPr>
+          <p:cNvPicPr>
+            <a:picLocks noChangeAspect="1"/>
+          </p:cNvPicPr>
+          <p:nvPr/>
+        </p:nvPicPr>
+        <p:blipFill>
+          <a:blip r:embed="rId2">
+            <a:extLst>
+              <a:ext uri="{28A0092B-C50C-407E-A947-70E740481C1C}">
+                <a14:useLocalDpi xmlns:a14="http://schemas.microsoft.com/office/drawing/2010/main" val="0"/>
+              </a:ext>
+            </a:extLst>
+          </a:blip>
+          <a:stretch>
+            <a:fillRect/>
+          </a:stretch>
+        </p:blipFill>
+        <p:spPr>
+          <a:xfrm>
+            <a:off x="847726" y="1534992"/>
+            <a:ext cx="3788016" cy="3788016"/>
+          </a:xfrm>
+          <a:prstGeom prst="rect">
+            <a:avLst/>
+          </a:prstGeom>
+          <a:noFill/>
+        </p:spPr>
+      </p:pic>
+      <p:sp>
+        <p:nvSpPr>
+          <p:cNvPr id="15" name="Date Placeholder 14">
+            <a:extLst>
+              <a:ext uri="{FF2B5EF4-FFF2-40B4-BE49-F238E27FC236}">
+                <a16:creationId xmlns:a16="http://schemas.microsoft.com/office/drawing/2014/main" id="{4C753A68-3755-976F-1277-72CB545CC546}"/>
+              </a:ext>
+            </a:extLst>
+          </p:cNvPr>
+          <p:cNvSpPr>
+            <a:spLocks noGrp="1"/>
+          </p:cNvSpPr>
+          <p:nvPr>
+            <p:ph type="dt" sz="half" idx="10"/>
+          </p:nvPr>
+        </p:nvSpPr>
+        <p:spPr>
+          <a:xfrm>
+            <a:off x="847726" y="6199188"/>
+            <a:ext cx="2743200" cy="365125"/>
+          </a:xfrm>
+        </p:spPr>
+        <p:txBody>
+          <a:bodyPr/>
+          <a:lstStyle/>
+          <a:p>
+            <a:pPr>
+              <a:spcAft>
+                <a:spcPts val="600"/>
+              </a:spcAft>
+            </a:pPr>
+            <a:fld id="{4D8AF486-21BF-4A02-A3DE-0964203F1F64}" type="datetime1">
+              <a:rPr lang="en-US" smtClean="0"/>
+              <a:pPr>
+                <a:spcAft>
+                  <a:spcPts val="600"/>
+                </a:spcAft>
+              </a:pPr>
+              <a:t>8/20/2023</a:t>
+            </a:fld>
+            <a:endParaRPr lang="en-US"/>
+          </a:p>
+        </p:txBody>
+      </p:sp>
+      <p:sp>
+        <p:nvSpPr>
+          <p:cNvPr id="17" name="Footer Placeholder 15">
+            <a:extLst>
+              <a:ext uri="{FF2B5EF4-FFF2-40B4-BE49-F238E27FC236}">
+                <a16:creationId xmlns:a16="http://schemas.microsoft.com/office/drawing/2014/main" id="{01493447-621D-A40D-FF80-C95105EF04EA}"/>
+              </a:ext>
+            </a:extLst>
+          </p:cNvPr>
+          <p:cNvSpPr>
+            <a:spLocks noGrp="1"/>
+          </p:cNvSpPr>
+          <p:nvPr>
+            <p:ph type="ftr" sz="quarter" idx="11"/>
+          </p:nvPr>
+        </p:nvSpPr>
+        <p:spPr>
+          <a:xfrm>
+            <a:off x="7286625" y="6199188"/>
+            <a:ext cx="3409951" cy="365125"/>
+          </a:xfrm>
+        </p:spPr>
+        <p:txBody>
+          <a:bodyPr/>
+          <a:lstStyle/>
+          <a:p>
+            <a:pPr>
+              <a:spcAft>
+                <a:spcPts val="600"/>
+              </a:spcAft>
+            </a:pPr>
+            <a:r>
+              <a:rPr lang="en-US"/>
+              <a:t>Sample Footer Text</a:t>
+            </a:r>
+          </a:p>
+        </p:txBody>
+      </p:sp>
+      <p:sp>
+        <p:nvSpPr>
+          <p:cNvPr id="19" name="Slide Number Placeholder 16">
+            <a:extLst>
+              <a:ext uri="{FF2B5EF4-FFF2-40B4-BE49-F238E27FC236}">
+                <a16:creationId xmlns:a16="http://schemas.microsoft.com/office/drawing/2014/main" id="{77E3683D-7FC0-A2ED-DD78-A21FBE3799B3}"/>
+              </a:ext>
+            </a:extLst>
+          </p:cNvPr>
+          <p:cNvSpPr>
+            <a:spLocks noGrp="1"/>
+          </p:cNvSpPr>
+          <p:nvPr>
+            <p:ph type="sldNum" sz="quarter" idx="12"/>
+          </p:nvPr>
+        </p:nvSpPr>
+        <p:spPr>
+          <a:xfrm>
+            <a:off x="10696577" y="6199188"/>
+            <a:ext cx="619125" cy="365125"/>
+          </a:xfrm>
+        </p:spPr>
+        <p:txBody>
+          <a:bodyPr/>
+          <a:lstStyle/>
+          <a:p>
+            <a:pPr>
+              <a:spcAft>
+                <a:spcPts val="600"/>
+              </a:spcAft>
+            </a:pPr>
+            <a:fld id="{1437450A-6C25-4B4D-B27D-E1E9B2CE4682}" type="slidenum">
+              <a:rPr lang="en-US" smtClean="0"/>
+              <a:pPr>
+                <a:spcAft>
+                  <a:spcPts val="600"/>
+                </a:spcAft>
+              </a:pPr>
+              <a:t>4</a:t>
+            </a:fld>
+            <a:endParaRPr lang="en-US"/>
+          </a:p>
+        </p:txBody>
+      </p:sp>
+      <p:sp>
+        <p:nvSpPr>
+          <p:cNvPr id="9" name="Seta: para a Direita 8">
+            <a:extLst>
+              <a:ext uri="{FF2B5EF4-FFF2-40B4-BE49-F238E27FC236}">
+                <a16:creationId xmlns:a16="http://schemas.microsoft.com/office/drawing/2014/main" id="{A5AF7D62-09B2-0352-9092-25BD3BB65BE0}"/>
+              </a:ext>
+            </a:extLst>
+          </p:cNvPr>
+          <p:cNvSpPr/>
+          <p:nvPr/>
+        </p:nvSpPr>
+        <p:spPr>
+          <a:xfrm>
+            <a:off x="4448369" y="3517634"/>
+            <a:ext cx="664808" cy="511093"/>
+          </a:xfrm>
+          <a:prstGeom prst="rightArrow">
+            <a:avLst>
+              <a:gd name="adj1" fmla="val 37846"/>
+              <a:gd name="adj2" fmla="val 73733"/>
+            </a:avLst>
+          </a:prstGeom>
+        </p:spPr>
+        <p:style>
+          <a:lnRef idx="2">
+            <a:schemeClr val="dk1">
+              <a:shade val="15000"/>
+            </a:schemeClr>
+          </a:lnRef>
+          <a:fillRef idx="1">
+            <a:schemeClr val="dk1"/>
+          </a:fillRef>
+          <a:effectRef idx="0">
+            <a:schemeClr val="dk1"/>
+          </a:effectRef>
+          <a:fontRef idx="minor">
+            <a:schemeClr val="lt1"/>
+          </a:fontRef>
+        </p:style>
+        <p:txBody>
+          <a:bodyPr rtlCol="0" anchor="ctr"/>
+          <a:lstStyle/>
+          <a:p>
+            <a:pPr algn="ctr"/>
+            <a:endParaRPr lang="pt-BR"/>
+          </a:p>
+        </p:txBody>
+      </p:sp>
+    </p:spTree>
+    <p:extLst>
+      <p:ext uri="{BB962C8B-B14F-4D97-AF65-F5344CB8AC3E}">
+        <p14:creationId xmlns:p14="http://schemas.microsoft.com/office/powerpoint/2010/main" val="3127953079"/>
       </p:ext>
     </p:extLst>
   </p:cSld>
